--- a/graphics/download/linux/blue/linux.pptx
+++ b/graphics/download/linux/blue/linux.pptx
@@ -3106,13 +3106,13 @@
             <a:gradFill>
               <a:gsLst>
                 <a:gs pos="0">
-                  <a:srgbClr val="34789F"/>
+                  <a:srgbClr val="3F7FBF"/>
                 </a:gs>
                 <a:gs pos="80000">
-                  <a:srgbClr val="5A9EC5"/>
+                  <a:srgbClr val="65A5E5"/>
                 </a:gs>
                 <a:gs pos="100000">
-                  <a:srgbClr val="74B8DF"/>
+                  <a:srgbClr val="7FBFFF"/>
                 </a:gs>
               </a:gsLst>
             </a:gradFill>
